--- a/data/Opioid Epidemic.pptx
+++ b/data/Opioid Epidemic.pptx
@@ -295,7 +295,7 @@
           <a:p>
             <a:fld id="{7D65D66E-DC5C-4B7B-A2DE-8A89522BAFD7}" type="datetimeFigureOut">
               <a:rPr lang="en-US" smtClean="0"/>
-              <a:t>11/26/2018</a:t>
+              <a:t>11/28/2018</a:t>
             </a:fld>
             <a:endParaRPr lang="en-US"/>
           </a:p>
@@ -465,7 +465,7 @@
           <a:p>
             <a:fld id="{7D65D66E-DC5C-4B7B-A2DE-8A89522BAFD7}" type="datetimeFigureOut">
               <a:rPr lang="en-US" smtClean="0"/>
-              <a:t>11/26/2018</a:t>
+              <a:t>11/28/2018</a:t>
             </a:fld>
             <a:endParaRPr lang="en-US"/>
           </a:p>
@@ -645,7 +645,7 @@
           <a:p>
             <a:fld id="{7D65D66E-DC5C-4B7B-A2DE-8A89522BAFD7}" type="datetimeFigureOut">
               <a:rPr lang="en-US" smtClean="0"/>
-              <a:t>11/26/2018</a:t>
+              <a:t>11/28/2018</a:t>
             </a:fld>
             <a:endParaRPr lang="en-US"/>
           </a:p>
@@ -815,7 +815,7 @@
           <a:p>
             <a:fld id="{7D65D66E-DC5C-4B7B-A2DE-8A89522BAFD7}" type="datetimeFigureOut">
               <a:rPr lang="en-US" smtClean="0"/>
-              <a:t>11/26/2018</a:t>
+              <a:t>11/28/2018</a:t>
             </a:fld>
             <a:endParaRPr lang="en-US"/>
           </a:p>
@@ -1061,7 +1061,7 @@
           <a:p>
             <a:fld id="{7D65D66E-DC5C-4B7B-A2DE-8A89522BAFD7}" type="datetimeFigureOut">
               <a:rPr lang="en-US" smtClean="0"/>
-              <a:t>11/26/2018</a:t>
+              <a:t>11/28/2018</a:t>
             </a:fld>
             <a:endParaRPr lang="en-US"/>
           </a:p>
@@ -1349,7 +1349,7 @@
           <a:p>
             <a:fld id="{7D65D66E-DC5C-4B7B-A2DE-8A89522BAFD7}" type="datetimeFigureOut">
               <a:rPr lang="en-US" smtClean="0"/>
-              <a:t>11/26/2018</a:t>
+              <a:t>11/28/2018</a:t>
             </a:fld>
             <a:endParaRPr lang="en-US"/>
           </a:p>
@@ -1771,7 +1771,7 @@
           <a:p>
             <a:fld id="{7D65D66E-DC5C-4B7B-A2DE-8A89522BAFD7}" type="datetimeFigureOut">
               <a:rPr lang="en-US" smtClean="0"/>
-              <a:t>11/26/2018</a:t>
+              <a:t>11/28/2018</a:t>
             </a:fld>
             <a:endParaRPr lang="en-US"/>
           </a:p>
@@ -1889,7 +1889,7 @@
           <a:p>
             <a:fld id="{7D65D66E-DC5C-4B7B-A2DE-8A89522BAFD7}" type="datetimeFigureOut">
               <a:rPr lang="en-US" smtClean="0"/>
-              <a:t>11/26/2018</a:t>
+              <a:t>11/28/2018</a:t>
             </a:fld>
             <a:endParaRPr lang="en-US"/>
           </a:p>
@@ -1984,7 +1984,7 @@
           <a:p>
             <a:fld id="{7D65D66E-DC5C-4B7B-A2DE-8A89522BAFD7}" type="datetimeFigureOut">
               <a:rPr lang="en-US" smtClean="0"/>
-              <a:t>11/26/2018</a:t>
+              <a:t>11/28/2018</a:t>
             </a:fld>
             <a:endParaRPr lang="en-US"/>
           </a:p>
@@ -2261,7 +2261,7 @@
           <a:p>
             <a:fld id="{7D65D66E-DC5C-4B7B-A2DE-8A89522BAFD7}" type="datetimeFigureOut">
               <a:rPr lang="en-US" smtClean="0"/>
-              <a:t>11/26/2018</a:t>
+              <a:t>11/28/2018</a:t>
             </a:fld>
             <a:endParaRPr lang="en-US"/>
           </a:p>
@@ -2514,7 +2514,7 @@
           <a:p>
             <a:fld id="{7D65D66E-DC5C-4B7B-A2DE-8A89522BAFD7}" type="datetimeFigureOut">
               <a:rPr lang="en-US" smtClean="0"/>
-              <a:t>11/26/2018</a:t>
+              <a:t>11/28/2018</a:t>
             </a:fld>
             <a:endParaRPr lang="en-US"/>
           </a:p>
@@ -2727,7 +2727,7 @@
           <a:p>
             <a:fld id="{7D65D66E-DC5C-4B7B-A2DE-8A89522BAFD7}" type="datetimeFigureOut">
               <a:rPr lang="en-US" smtClean="0"/>
-              <a:t>11/26/2018</a:t>
+              <a:t>11/28/2018</a:t>
             </a:fld>
             <a:endParaRPr lang="en-US"/>
           </a:p>
@@ -3469,15 +3469,7 @@
             </a:pPr>
             <a:r>
               <a:rPr lang="en-US" sz="2000" dirty="0" smtClean="0"/>
-              <a:t>In 2016 </a:t>
-            </a:r>
-            <a:r>
-              <a:rPr lang="en-US" sz="2000" dirty="0" smtClean="0"/>
-              <a:t>only, </a:t>
-            </a:r>
-            <a:r>
-              <a:rPr lang="en-US" sz="2000" dirty="0" smtClean="0"/>
-              <a:t>Op</a:t>
+              <a:t>In 2016 only, Op</a:t>
             </a:r>
             <a:r>
               <a:rPr lang="en-US" sz="2000" dirty="0" smtClean="0">
@@ -3816,7 +3808,6 @@
               <a:rPr lang="en-US" sz="1400" dirty="0" smtClean="0"/>
               <a:t>In 2016 , death rate has increase from 62.8% to 64.8% ( +3.15%), while  from 2013-2014 sudden  increase  was from 56% to 62.2%.</a:t>
             </a:r>
-            <a:endParaRPr lang="en-US" sz="1400" dirty="0" smtClean="0"/>
           </a:p>
           <a:p>
             <a:endParaRPr lang="en-US" sz="2400" dirty="0"/>
@@ -4097,11 +4088,7 @@
             </a:pPr>
             <a:r>
               <a:rPr lang="en-US" sz="2000" dirty="0" smtClean="0"/>
-              <a:t>Fentanyl was responsible for 23% death caused </a:t>
-            </a:r>
-            <a:r>
-              <a:rPr lang="en-US" sz="2000" dirty="0" smtClean="0"/>
-              <a:t>by overdose since 2010. </a:t>
+              <a:t>Fentanyl was responsible for 23% death caused by overdose since 2010. </a:t>
             </a:r>
           </a:p>
           <a:p>
@@ -4314,19 +4301,7 @@
           <a:p>
             <a:r>
               <a:rPr lang="en-US" sz="1100" dirty="0" smtClean="0"/>
-              <a:t>The national rate of opioid overdose death has increase significantly from 6% to 418% from 2010-2016. The sharp increase has seen </a:t>
-            </a:r>
-            <a:r>
-              <a:rPr lang="en-US" sz="1100" dirty="0" smtClean="0"/>
-              <a:t>several states located in the East, Midwest, and Appalachian regions of the country, including Ohio, New York, Pennsylvania, Illinois, Virginia  </a:t>
-            </a:r>
-            <a:r>
-              <a:rPr lang="en-US" sz="1100" dirty="0" smtClean="0"/>
-              <a:t>and </a:t>
-            </a:r>
-            <a:r>
-              <a:rPr lang="en-US" sz="1100" dirty="0" smtClean="0"/>
-              <a:t>Florida . However, one western state California shows stable rate in opioid death.</a:t>
+              <a:t>The national rate of opioid overdose death has increase significantly from 6% to 418% from 2010-2016. The sharp increase has seen several states located in the East, Midwest, and Appalachian regions of the country, including Ohio, New York, Pennsylvania, Illinois, Virginia  and Florida . However, one western state California shows stable rate in opioid death.</a:t>
             </a:r>
           </a:p>
           <a:p>
@@ -4897,15 +4872,7 @@
           <a:p>
             <a:r>
               <a:rPr lang="en-US" sz="1600" dirty="0" smtClean="0"/>
-              <a:t>Is there any relationship between </a:t>
-            </a:r>
-            <a:r>
-              <a:rPr lang="en-US" sz="1600" dirty="0" smtClean="0"/>
-              <a:t>Opioid deaths vs</a:t>
-            </a:r>
-            <a:r>
-              <a:rPr lang="en-US" sz="1600" dirty="0" smtClean="0"/>
-              <a:t> overdose death ?</a:t>
+              <a:t>Is there any relationship between Opioid deaths vs overdose death ?</a:t>
             </a:r>
             <a:endParaRPr lang="en-US" sz="1600" dirty="0"/>
           </a:p>
